--- a/0-bemms-introduction.pptx
+++ b/0-bemms-introduction.pptx
@@ -343,7 +343,7 @@
           <a:p>
             <a:fld id="{3C698750-C81F-F04A-AA76-37D93C004B38}" type="datetimeFigureOut">
               <a:rPr lang="en-US" smtClean="0"/>
-              <a:t>7/20/19</a:t>
+              <a:t>7/21/19</a:t>
             </a:fld>
             <a:endParaRPr lang="en-US"/>
           </a:p>
@@ -509,7 +509,7 @@
           <a:p>
             <a:fld id="{AB8E274B-DE0B-C043-9FCE-316C68FD4893}" type="datetimeFigureOut">
               <a:rPr lang="en-US" smtClean="0"/>
-              <a:t>7/20/19</a:t>
+              <a:t>7/21/19</a:t>
             </a:fld>
             <a:endParaRPr lang="en-US"/>
           </a:p>
@@ -15738,7 +15738,7 @@
 </file>
 
 <file path=ppt/slides/slide25.xml><?xml version="1.0" encoding="utf-8"?>
-<p:sld xmlns:a="http://schemas.openxmlformats.org/drawingml/2006/main" xmlns:r="http://schemas.openxmlformats.org/officeDocument/2006/relationships" xmlns:p="http://schemas.openxmlformats.org/presentationml/2006/main">
+<p:sld xmlns:a="http://schemas.openxmlformats.org/drawingml/2006/main" xmlns:r="http://schemas.openxmlformats.org/officeDocument/2006/relationships" xmlns:p="http://schemas.openxmlformats.org/presentationml/2006/main" show="0">
   <p:cSld>
     <p:spTree>
       <p:nvGrpSpPr>
@@ -15809,7 +15809,7 @@
 </file>
 
 <file path=ppt/slides/slide26.xml><?xml version="1.0" encoding="utf-8"?>
-<p:sld xmlns:a="http://schemas.openxmlformats.org/drawingml/2006/main" xmlns:r="http://schemas.openxmlformats.org/officeDocument/2006/relationships" xmlns:p="http://schemas.openxmlformats.org/presentationml/2006/main">
+<p:sld xmlns:a="http://schemas.openxmlformats.org/drawingml/2006/main" xmlns:r="http://schemas.openxmlformats.org/officeDocument/2006/relationships" xmlns:p="http://schemas.openxmlformats.org/presentationml/2006/main" show="0">
   <p:cSld>
     <p:spTree>
       <p:nvGrpSpPr>
@@ -16979,7 +16979,7 @@
 </file>
 
 <file path=ppt/slides/slide27.xml><?xml version="1.0" encoding="utf-8"?>
-<p:sld xmlns:a="http://schemas.openxmlformats.org/drawingml/2006/main" xmlns:r="http://schemas.openxmlformats.org/officeDocument/2006/relationships" xmlns:p="http://schemas.openxmlformats.org/presentationml/2006/main">
+<p:sld xmlns:a="http://schemas.openxmlformats.org/drawingml/2006/main" xmlns:r="http://schemas.openxmlformats.org/officeDocument/2006/relationships" xmlns:p="http://schemas.openxmlformats.org/presentationml/2006/main" show="0">
   <p:cSld>
     <p:spTree>
       <p:nvGrpSpPr>
@@ -17306,7 +17306,7 @@
 </file>
 
 <file path=ppt/slides/slide28.xml><?xml version="1.0" encoding="utf-8"?>
-<p:sld xmlns:a="http://schemas.openxmlformats.org/drawingml/2006/main" xmlns:r="http://schemas.openxmlformats.org/officeDocument/2006/relationships" xmlns:p="http://schemas.openxmlformats.org/presentationml/2006/main">
+<p:sld xmlns:a="http://schemas.openxmlformats.org/drawingml/2006/main" xmlns:r="http://schemas.openxmlformats.org/officeDocument/2006/relationships" xmlns:p="http://schemas.openxmlformats.org/presentationml/2006/main" show="0">
   <p:cSld>
     <p:spTree>
       <p:nvGrpSpPr>
@@ -17638,7 +17638,7 @@
 </file>
 
 <file path=ppt/slides/slide29.xml><?xml version="1.0" encoding="utf-8"?>
-<p:sld xmlns:a="http://schemas.openxmlformats.org/drawingml/2006/main" xmlns:r="http://schemas.openxmlformats.org/officeDocument/2006/relationships" xmlns:p="http://schemas.openxmlformats.org/presentationml/2006/main">
+<p:sld xmlns:a="http://schemas.openxmlformats.org/drawingml/2006/main" xmlns:r="http://schemas.openxmlformats.org/officeDocument/2006/relationships" xmlns:p="http://schemas.openxmlformats.org/presentationml/2006/main" show="0">
   <p:cSld>
     <p:spTree>
       <p:nvGrpSpPr>
@@ -17989,7 +17989,7 @@
 </file>
 
 <file path=ppt/slides/slide30.xml><?xml version="1.0" encoding="utf-8"?>
-<p:sld xmlns:a="http://schemas.openxmlformats.org/drawingml/2006/main" xmlns:r="http://schemas.openxmlformats.org/officeDocument/2006/relationships" xmlns:p="http://schemas.openxmlformats.org/presentationml/2006/main">
+<p:sld xmlns:a="http://schemas.openxmlformats.org/drawingml/2006/main" xmlns:r="http://schemas.openxmlformats.org/officeDocument/2006/relationships" xmlns:p="http://schemas.openxmlformats.org/presentationml/2006/main" show="0">
   <p:cSld>
     <p:spTree>
       <p:nvGrpSpPr>
@@ -23129,7 +23129,7 @@
 </file>
 
 <file path=ppt/slides/slide42.xml><?xml version="1.0" encoding="utf-8"?>
-<p:sld xmlns:a="http://schemas.openxmlformats.org/drawingml/2006/main" xmlns:r="http://schemas.openxmlformats.org/officeDocument/2006/relationships" xmlns:p="http://schemas.openxmlformats.org/presentationml/2006/main">
+<p:sld xmlns:a="http://schemas.openxmlformats.org/drawingml/2006/main" xmlns:r="http://schemas.openxmlformats.org/officeDocument/2006/relationships" xmlns:p="http://schemas.openxmlformats.org/presentationml/2006/main" show="0">
   <p:cSld>
     <p:spTree>
       <p:nvGrpSpPr>
@@ -23475,7 +23475,7 @@
 </file>
 
 <file path=ppt/slides/slide43.xml><?xml version="1.0" encoding="utf-8"?>
-<p:sld xmlns:a="http://schemas.openxmlformats.org/drawingml/2006/main" xmlns:r="http://schemas.openxmlformats.org/officeDocument/2006/relationships" xmlns:p="http://schemas.openxmlformats.org/presentationml/2006/main">
+<p:sld xmlns:a="http://schemas.openxmlformats.org/drawingml/2006/main" xmlns:r="http://schemas.openxmlformats.org/officeDocument/2006/relationships" xmlns:p="http://schemas.openxmlformats.org/presentationml/2006/main" show="0">
   <p:cSld>
     <p:spTree>
       <p:nvGrpSpPr>
@@ -23705,7 +23705,7 @@
 </file>
 
 <file path=ppt/slides/slide44.xml><?xml version="1.0" encoding="utf-8"?>
-<p:sld xmlns:a="http://schemas.openxmlformats.org/drawingml/2006/main" xmlns:r="http://schemas.openxmlformats.org/officeDocument/2006/relationships" xmlns:p="http://schemas.openxmlformats.org/presentationml/2006/main">
+<p:sld xmlns:a="http://schemas.openxmlformats.org/drawingml/2006/main" xmlns:r="http://schemas.openxmlformats.org/officeDocument/2006/relationships" xmlns:p="http://schemas.openxmlformats.org/presentationml/2006/main" show="0">
   <p:cSld>
     <p:spTree>
       <p:nvGrpSpPr>
@@ -24483,7 +24483,7 @@
 </file>
 
 <file path=ppt/slides/slide45.xml><?xml version="1.0" encoding="utf-8"?>
-<p:sld xmlns:a="http://schemas.openxmlformats.org/drawingml/2006/main" xmlns:r="http://schemas.openxmlformats.org/officeDocument/2006/relationships" xmlns:p="http://schemas.openxmlformats.org/presentationml/2006/main">
+<p:sld xmlns:a="http://schemas.openxmlformats.org/drawingml/2006/main" xmlns:r="http://schemas.openxmlformats.org/officeDocument/2006/relationships" xmlns:p="http://schemas.openxmlformats.org/presentationml/2006/main" show="0">
   <p:cSld>
     <p:spTree>
       <p:nvGrpSpPr>
@@ -24953,7 +24953,7 @@
 </file>
 
 <file path=ppt/slides/slide46.xml><?xml version="1.0" encoding="utf-8"?>
-<p:sld xmlns:a="http://schemas.openxmlformats.org/drawingml/2006/main" xmlns:r="http://schemas.openxmlformats.org/officeDocument/2006/relationships" xmlns:p="http://schemas.openxmlformats.org/presentationml/2006/main">
+<p:sld xmlns:a="http://schemas.openxmlformats.org/drawingml/2006/main" xmlns:r="http://schemas.openxmlformats.org/officeDocument/2006/relationships" xmlns:p="http://schemas.openxmlformats.org/presentationml/2006/main" show="0">
   <p:cSld>
     <p:spTree>
       <p:nvGrpSpPr>
@@ -25032,7 +25032,7 @@
 </file>
 
 <file path=ppt/slides/slide47.xml><?xml version="1.0" encoding="utf-8"?>
-<p:sld xmlns:a="http://schemas.openxmlformats.org/drawingml/2006/main" xmlns:r="http://schemas.openxmlformats.org/officeDocument/2006/relationships" xmlns:p="http://schemas.openxmlformats.org/presentationml/2006/main">
+<p:sld xmlns:a="http://schemas.openxmlformats.org/drawingml/2006/main" xmlns:r="http://schemas.openxmlformats.org/officeDocument/2006/relationships" xmlns:p="http://schemas.openxmlformats.org/presentationml/2006/main" show="0">
   <p:cSld>
     <p:spTree>
       <p:nvGrpSpPr>
@@ -25519,7 +25519,7 @@
 </file>
 
 <file path=ppt/slides/slide48.xml><?xml version="1.0" encoding="utf-8"?>
-<p:sld xmlns:a="http://schemas.openxmlformats.org/drawingml/2006/main" xmlns:r="http://schemas.openxmlformats.org/officeDocument/2006/relationships" xmlns:p="http://schemas.openxmlformats.org/presentationml/2006/main">
+<p:sld xmlns:a="http://schemas.openxmlformats.org/drawingml/2006/main" xmlns:r="http://schemas.openxmlformats.org/officeDocument/2006/relationships" xmlns:p="http://schemas.openxmlformats.org/presentationml/2006/main" show="0">
   <p:cSld>
     <p:spTree>
       <p:nvGrpSpPr>
@@ -25838,7 +25838,7 @@
 </file>
 
 <file path=ppt/slides/slide49.xml><?xml version="1.0" encoding="utf-8"?>
-<p:sld xmlns:a="http://schemas.openxmlformats.org/drawingml/2006/main" xmlns:r="http://schemas.openxmlformats.org/officeDocument/2006/relationships" xmlns:p="http://schemas.openxmlformats.org/presentationml/2006/main">
+<p:sld xmlns:a="http://schemas.openxmlformats.org/drawingml/2006/main" xmlns:r="http://schemas.openxmlformats.org/officeDocument/2006/relationships" xmlns:p="http://schemas.openxmlformats.org/presentationml/2006/main" show="0">
   <p:cSld>
     <p:spTree>
       <p:nvGrpSpPr>
@@ -26329,7 +26329,7 @@
 </file>
 
 <file path=ppt/slides/slide50.xml><?xml version="1.0" encoding="utf-8"?>
-<p:sld xmlns:a="http://schemas.openxmlformats.org/drawingml/2006/main" xmlns:r="http://schemas.openxmlformats.org/officeDocument/2006/relationships" xmlns:p="http://schemas.openxmlformats.org/presentationml/2006/main">
+<p:sld xmlns:a="http://schemas.openxmlformats.org/drawingml/2006/main" xmlns:r="http://schemas.openxmlformats.org/officeDocument/2006/relationships" xmlns:p="http://schemas.openxmlformats.org/presentationml/2006/main" show="0">
   <p:cSld>
     <p:spTree>
       <p:nvGrpSpPr>
@@ -26641,7 +26641,7 @@
 </file>
 
 <file path=ppt/slides/slide51.xml><?xml version="1.0" encoding="utf-8"?>
-<p:sld xmlns:a="http://schemas.openxmlformats.org/drawingml/2006/main" xmlns:r="http://schemas.openxmlformats.org/officeDocument/2006/relationships" xmlns:p="http://schemas.openxmlformats.org/presentationml/2006/main">
+<p:sld xmlns:a="http://schemas.openxmlformats.org/drawingml/2006/main" xmlns:r="http://schemas.openxmlformats.org/officeDocument/2006/relationships" xmlns:p="http://schemas.openxmlformats.org/presentationml/2006/main" show="0">
   <p:cSld>
     <p:spTree>
       <p:nvGrpSpPr>
@@ -26961,7 +26961,7 @@
 </file>
 
 <file path=ppt/slides/slide52.xml><?xml version="1.0" encoding="utf-8"?>
-<p:sld xmlns:a="http://schemas.openxmlformats.org/drawingml/2006/main" xmlns:r="http://schemas.openxmlformats.org/officeDocument/2006/relationships" xmlns:p="http://schemas.openxmlformats.org/presentationml/2006/main">
+<p:sld xmlns:a="http://schemas.openxmlformats.org/drawingml/2006/main" xmlns:r="http://schemas.openxmlformats.org/officeDocument/2006/relationships" xmlns:p="http://schemas.openxmlformats.org/presentationml/2006/main" show="0">
   <p:cSld>
     <p:spTree>
       <p:nvGrpSpPr>
@@ -27336,7 +27336,7 @@
 </file>
 
 <file path=ppt/slides/slide53.xml><?xml version="1.0" encoding="utf-8"?>
-<p:sld xmlns:a="http://schemas.openxmlformats.org/drawingml/2006/main" xmlns:r="http://schemas.openxmlformats.org/officeDocument/2006/relationships" xmlns:p="http://schemas.openxmlformats.org/presentationml/2006/main">
+<p:sld xmlns:a="http://schemas.openxmlformats.org/drawingml/2006/main" xmlns:r="http://schemas.openxmlformats.org/officeDocument/2006/relationships" xmlns:p="http://schemas.openxmlformats.org/presentationml/2006/main" show="0">
   <p:cSld>
     <p:spTree>
       <p:nvGrpSpPr>
